--- a/PrésentationMongoDBAggregation.pptx
+++ b/PrésentationMongoDBAggregation.pptx
@@ -19097,12 +19097,8 @@
           <a:lstStyle/>
           <a:p>
             <a:r>
-              <a:rPr lang="fr-FR" dirty="0" err="1"/>
-              <a:t>Exempl</a:t>
-            </a:r>
-            <a:r>
               <a:rPr lang="fr-FR" dirty="0"/>
-              <a:t> de code du projet pour l’utilisation d’un opérateur d’agrégation (</a:t>
+              <a:t>Exemple de code du projet pour l’utilisation d’un opérateur d’agrégation (</a:t>
             </a:r>
             <a:r>
               <a:rPr lang="fr-FR" dirty="0" err="1"/>
@@ -19568,13 +19564,13 @@
   <p:clrMapOvr>
     <a:masterClrMapping/>
   </p:clrMapOvr>
-  <mc:AlternateContent xmlns:mc="http://schemas.openxmlformats.org/markup-compatibility/2006">
-    <mc:Choice xmlns:p159="http://schemas.microsoft.com/office/powerpoint/2015/09/main" Requires="p159">
+  <mc:AlternateContent xmlns:mc="http://schemas.openxmlformats.org/markup-compatibility/2006" xmlns:p159="http://schemas.microsoft.com/office/powerpoint/2015/09/main">
+    <mc:Choice Requires="p159">
       <p:transition xmlns:p14="http://schemas.microsoft.com/office/powerpoint/2010/main" spd="slow" p14:dur="2000">
         <p159:morph option="byObject"/>
       </p:transition>
     </mc:Choice>
-    <mc:Fallback>
+    <mc:Fallback xmlns="">
       <p:transition spd="slow">
         <p:fade/>
       </p:transition>
